--- a/Telecom Customer Churn Report.pptx
+++ b/Telecom Customer Churn Report.pptx
@@ -15014,7 +15014,7 @@
         <p:spPr>
           <a:xfrm>
             <a:off x="3714750" y="3705225"/>
-            <a:ext cx="8191500" cy="533400"/>
+            <a:ext cx="8191500" cy="646331"/>
           </a:xfrm>
           <a:prstGeom prst="rect">
             <a:avLst/>
@@ -15043,6 +15043,18 @@
               <a:buNone/>
             </a:pPr>
             <a:r>
+              <a:rPr lang="en-US" sz="1500" b="0" i="0" u="none" strike="noStrike" cap="none" dirty="0">
+                <a:solidFill>
+                  <a:srgbClr val="DAFFDE"/>
+                </a:solidFill>
+                <a:latin typeface="Urbanist"/>
+                <a:ea typeface="Urbanist"/>
+                <a:cs typeface="Urbanist"/>
+                <a:sym typeface="Urbanist"/>
+              </a:rPr>
+              <a:t>Implementing these strategies targets </a:t>
+            </a:r>
+            <a:r>
               <a:rPr lang="en-US" sz="1500" b="0" i="0" u="none" strike="noStrike" cap="none">
                 <a:solidFill>
                   <a:srgbClr val="DAFFDE"/>
@@ -15052,9 +15064,21 @@
                 <a:cs typeface="Urbanist"/>
                 <a:sym typeface="Urbanist"/>
               </a:rPr>
-              <a:t>Implementing these strategies targets the 18% of top-tier users currently flagged as "At Risk", potentially saving significant monthly recurring revenue.</a:t>
+              <a:t>the 20% </a:t>
             </a:r>
-            <a:endParaRPr/>
+            <a:r>
+              <a:rPr lang="en-US" sz="1500" b="0" i="0" u="none" strike="noStrike" cap="none" dirty="0">
+                <a:solidFill>
+                  <a:srgbClr val="DAFFDE"/>
+                </a:solidFill>
+                <a:latin typeface="Urbanist"/>
+                <a:ea typeface="Urbanist"/>
+                <a:cs typeface="Urbanist"/>
+                <a:sym typeface="Urbanist"/>
+              </a:rPr>
+              <a:t>of top-tier users currently flagged as "At Risk", potentially saving significant monthly recurring revenue.</a:t>
+            </a:r>
+            <a:endParaRPr dirty="0"/>
           </a:p>
         </p:txBody>
       </p:sp>
